--- a/FYP_Defense_Presentation/FYP_Defense_Presentation_EM_Modelling_in_NIM.pptx
+++ b/FYP_Defense_Presentation/FYP_Defense_Presentation_EM_Modelling_in_NIM.pptx
@@ -127,7 +127,7 @@
   </p:defaultTextStyle>
   <p:extLst>
     <p:ext uri="{EFAFB233-063F-42B5-8137-9DF3F51BA10A}">
-      <p15:sldGuideLst xmlns:p15="http://schemas.microsoft.com/office/powerpoint/2012/main">
+      <p15:sldGuideLst xmlns:p15="http://schemas.microsoft.com/office/powerpoint/2012/main" xmlns="">
         <p15:guide id="1" orient="horz" pos="2160">
           <p15:clr>
             <a:srgbClr val="A4A3A4"/>
@@ -227,7 +227,7 @@
             <a:fld id="{0BB77A5E-9AEA-4E35-94FB-1EBF659B492A}" type="datetimeFigureOut">
               <a:rPr lang="en-US" smtClean="0"/>
               <a:pPr/>
-              <a:t>9/13/2013</a:t>
+              <a:t>12/26/2013</a:t>
             </a:fld>
             <a:endParaRPr lang="en-US"/>
           </a:p>
@@ -398,7 +398,7 @@
     </p:spTree>
     <p:extLst>
       <p:ext uri="{BB962C8B-B14F-4D97-AF65-F5344CB8AC3E}">
-        <p14:creationId xmlns:p14="http://schemas.microsoft.com/office/powerpoint/2010/main" val="2938669800"/>
+        <p14:creationId xmlns:p14="http://schemas.microsoft.com/office/powerpoint/2010/main" xmlns="" val="2938669800"/>
       </p:ext>
     </p:extLst>
   </p:cSld>
@@ -575,7 +575,7 @@
     </p:spTree>
     <p:extLst>
       <p:ext uri="{BB962C8B-B14F-4D97-AF65-F5344CB8AC3E}">
-        <p14:creationId xmlns:p14="http://schemas.microsoft.com/office/powerpoint/2010/main" val="2338987515"/>
+        <p14:creationId xmlns:p14="http://schemas.microsoft.com/office/powerpoint/2010/main" xmlns="" val="2338987515"/>
       </p:ext>
     </p:extLst>
   </p:cSld>
@@ -947,7 +947,7 @@
     </p:spTree>
     <p:extLst>
       <p:ext uri="{BB962C8B-B14F-4D97-AF65-F5344CB8AC3E}">
-        <p14:creationId xmlns:p14="http://schemas.microsoft.com/office/powerpoint/2010/main" val="2366257150"/>
+        <p14:creationId xmlns:p14="http://schemas.microsoft.com/office/powerpoint/2010/main" xmlns="" val="2366257150"/>
       </p:ext>
     </p:extLst>
   </p:cSld>
@@ -1125,7 +1125,7 @@
     </p:spTree>
     <p:extLst>
       <p:ext uri="{BB962C8B-B14F-4D97-AF65-F5344CB8AC3E}">
-        <p14:creationId xmlns:p14="http://schemas.microsoft.com/office/powerpoint/2010/main" val="3728121321"/>
+        <p14:creationId xmlns:p14="http://schemas.microsoft.com/office/powerpoint/2010/main" xmlns="" val="3728121321"/>
       </p:ext>
     </p:extLst>
   </p:cSld>
@@ -1281,7 +1281,7 @@
     </p:spTree>
     <p:extLst>
       <p:ext uri="{BB962C8B-B14F-4D97-AF65-F5344CB8AC3E}">
-        <p14:creationId xmlns:p14="http://schemas.microsoft.com/office/powerpoint/2010/main" val="3589294838"/>
+        <p14:creationId xmlns:p14="http://schemas.microsoft.com/office/powerpoint/2010/main" xmlns="" val="3589294838"/>
       </p:ext>
     </p:extLst>
   </p:cSld>
@@ -1465,7 +1465,7 @@
             <a:fld id="{1D8BD707-D9CF-40AE-B4C6-C98DA3205C09}" type="datetimeFigureOut">
               <a:rPr lang="en-US" smtClean="0"/>
               <a:pPr/>
-              <a:t>9/13/2013</a:t>
+              <a:t>12/26/2013</a:t>
             </a:fld>
             <a:endParaRPr lang="en-US" dirty="0"/>
           </a:p>
@@ -1519,13 +1519,13 @@
   <p:clrMapOvr>
     <a:overrideClrMapping bg1="dk1" tx1="lt1" bg2="dk2" tx2="lt2" accent1="accent1" accent2="accent2" accent3="accent3" accent4="accent4" accent5="accent5" accent6="accent6" hlink="hlink" folHlink="folHlink"/>
   </p:clrMapOvr>
-  <mc:AlternateContent xmlns:mc="http://schemas.openxmlformats.org/markup-compatibility/2006" xmlns:p14="http://schemas.microsoft.com/office/powerpoint/2010/main">
-    <mc:Choice Requires="p14">
+  <mc:AlternateContent xmlns:mc="http://schemas.openxmlformats.org/markup-compatibility/2006">
+    <mc:Choice xmlns:p14="http://schemas.microsoft.com/office/powerpoint/2010/main" xmlns="" Requires="p14">
       <p:transition spd="med" p14:dur="700">
         <p:fade/>
       </p:transition>
     </mc:Choice>
-    <mc:Fallback xmlns="">
+    <mc:Fallback>
       <p:transition spd="med">
         <p:fade/>
       </p:transition>
@@ -1644,7 +1644,7 @@
             <a:fld id="{1D8BD707-D9CF-40AE-B4C6-C98DA3205C09}" type="datetimeFigureOut">
               <a:rPr lang="en-US" smtClean="0"/>
               <a:pPr/>
-              <a:t>9/13/2013</a:t>
+              <a:t>12/26/2013</a:t>
             </a:fld>
             <a:endParaRPr lang="en-US" dirty="0"/>
           </a:p>
@@ -1698,13 +1698,13 @@
   <p:clrMapOvr>
     <a:masterClrMapping/>
   </p:clrMapOvr>
-  <mc:AlternateContent xmlns:mc="http://schemas.openxmlformats.org/markup-compatibility/2006" xmlns:p14="http://schemas.microsoft.com/office/powerpoint/2010/main">
-    <mc:Choice Requires="p14">
+  <mc:AlternateContent xmlns:mc="http://schemas.openxmlformats.org/markup-compatibility/2006">
+    <mc:Choice xmlns:p14="http://schemas.microsoft.com/office/powerpoint/2010/main" xmlns="" Requires="p14">
       <p:transition spd="med" p14:dur="700">
         <p:fade/>
       </p:transition>
     </mc:Choice>
-    <mc:Fallback xmlns="">
+    <mc:Fallback>
       <p:transition spd="med">
         <p:fade/>
       </p:transition>
@@ -1833,7 +1833,7 @@
             <a:fld id="{1D8BD707-D9CF-40AE-B4C6-C98DA3205C09}" type="datetimeFigureOut">
               <a:rPr lang="en-US" smtClean="0"/>
               <a:pPr/>
-              <a:t>9/13/2013</a:t>
+              <a:t>12/26/2013</a:t>
             </a:fld>
             <a:endParaRPr lang="en-US" dirty="0"/>
           </a:p>
@@ -1887,13 +1887,13 @@
   <p:clrMapOvr>
     <a:masterClrMapping/>
   </p:clrMapOvr>
-  <mc:AlternateContent xmlns:mc="http://schemas.openxmlformats.org/markup-compatibility/2006" xmlns:p14="http://schemas.microsoft.com/office/powerpoint/2010/main">
-    <mc:Choice Requires="p14">
+  <mc:AlternateContent xmlns:mc="http://schemas.openxmlformats.org/markup-compatibility/2006">
+    <mc:Choice xmlns:p14="http://schemas.microsoft.com/office/powerpoint/2010/main" xmlns="" Requires="p14">
       <p:transition spd="med" p14:dur="700">
         <p:fade/>
       </p:transition>
     </mc:Choice>
-    <mc:Fallback xmlns="">
+    <mc:Fallback>
       <p:transition spd="med">
         <p:fade/>
       </p:transition>
@@ -2012,7 +2012,7 @@
             <a:fld id="{1D8BD707-D9CF-40AE-B4C6-C98DA3205C09}" type="datetimeFigureOut">
               <a:rPr lang="en-US" smtClean="0"/>
               <a:pPr/>
-              <a:t>9/13/2013</a:t>
+              <a:t>12/26/2013</a:t>
             </a:fld>
             <a:endParaRPr lang="en-US" dirty="0"/>
           </a:p>
@@ -2066,13 +2066,13 @@
   <p:clrMapOvr>
     <a:masterClrMapping/>
   </p:clrMapOvr>
-  <mc:AlternateContent xmlns:mc="http://schemas.openxmlformats.org/markup-compatibility/2006" xmlns:p14="http://schemas.microsoft.com/office/powerpoint/2010/main">
-    <mc:Choice Requires="p14">
+  <mc:AlternateContent xmlns:mc="http://schemas.openxmlformats.org/markup-compatibility/2006">
+    <mc:Choice xmlns:p14="http://schemas.microsoft.com/office/powerpoint/2010/main" xmlns="" Requires="p14">
       <p:transition spd="med" p14:dur="700">
         <p:fade/>
       </p:transition>
     </mc:Choice>
-    <mc:Fallback xmlns="">
+    <mc:Fallback>
       <p:transition spd="med">
         <p:fade/>
       </p:transition>
@@ -2268,7 +2268,7 @@
             <a:fld id="{1D8BD707-D9CF-40AE-B4C6-C98DA3205C09}" type="datetimeFigureOut">
               <a:rPr lang="en-US" smtClean="0"/>
               <a:pPr/>
-              <a:t>9/13/2013</a:t>
+              <a:t>12/26/2013</a:t>
             </a:fld>
             <a:endParaRPr lang="en-US" dirty="0"/>
           </a:p>
@@ -2322,13 +2322,13 @@
   <p:clrMapOvr>
     <a:overrideClrMapping bg1="dk1" tx1="lt1" bg2="dk2" tx2="lt2" accent1="accent1" accent2="accent2" accent3="accent3" accent4="accent4" accent5="accent5" accent6="accent6" hlink="hlink" folHlink="folHlink"/>
   </p:clrMapOvr>
-  <mc:AlternateContent xmlns:mc="http://schemas.openxmlformats.org/markup-compatibility/2006" xmlns:p14="http://schemas.microsoft.com/office/powerpoint/2010/main">
-    <mc:Choice Requires="p14">
+  <mc:AlternateContent xmlns:mc="http://schemas.openxmlformats.org/markup-compatibility/2006">
+    <mc:Choice xmlns:p14="http://schemas.microsoft.com/office/powerpoint/2010/main" xmlns="" Requires="p14">
       <p:transition spd="med" p14:dur="700">
         <p:fade/>
       </p:transition>
     </mc:Choice>
-    <mc:Fallback xmlns="">
+    <mc:Fallback>
       <p:transition spd="med">
         <p:fade/>
       </p:transition>
@@ -2546,7 +2546,7 @@
             <a:fld id="{1D8BD707-D9CF-40AE-B4C6-C98DA3205C09}" type="datetimeFigureOut">
               <a:rPr lang="en-US" smtClean="0"/>
               <a:pPr/>
-              <a:t>9/13/2013</a:t>
+              <a:t>12/26/2013</a:t>
             </a:fld>
             <a:endParaRPr lang="en-US" dirty="0"/>
           </a:p>
@@ -2600,13 +2600,13 @@
   <p:clrMapOvr>
     <a:masterClrMapping/>
   </p:clrMapOvr>
-  <mc:AlternateContent xmlns:mc="http://schemas.openxmlformats.org/markup-compatibility/2006" xmlns:p14="http://schemas.microsoft.com/office/powerpoint/2010/main">
-    <mc:Choice Requires="p14">
+  <mc:AlternateContent xmlns:mc="http://schemas.openxmlformats.org/markup-compatibility/2006">
+    <mc:Choice xmlns:p14="http://schemas.microsoft.com/office/powerpoint/2010/main" xmlns="" Requires="p14">
       <p:transition spd="med" p14:dur="700">
         <p:fade/>
       </p:transition>
     </mc:Choice>
-    <mc:Fallback xmlns="">
+    <mc:Fallback>
       <p:transition spd="med">
         <p:fade/>
       </p:transition>
@@ -2938,7 +2938,7 @@
             <a:fld id="{1D8BD707-D9CF-40AE-B4C6-C98DA3205C09}" type="datetimeFigureOut">
               <a:rPr lang="en-US" smtClean="0"/>
               <a:pPr/>
-              <a:t>9/13/2013</a:t>
+              <a:t>12/26/2013</a:t>
             </a:fld>
             <a:endParaRPr lang="en-US" dirty="0"/>
           </a:p>
@@ -2992,13 +2992,13 @@
   <p:clrMapOvr>
     <a:masterClrMapping/>
   </p:clrMapOvr>
-  <mc:AlternateContent xmlns:mc="http://schemas.openxmlformats.org/markup-compatibility/2006" xmlns:p14="http://schemas.microsoft.com/office/powerpoint/2010/main">
-    <mc:Choice Requires="p14">
+  <mc:AlternateContent xmlns:mc="http://schemas.openxmlformats.org/markup-compatibility/2006">
+    <mc:Choice xmlns:p14="http://schemas.microsoft.com/office/powerpoint/2010/main" xmlns="" Requires="p14">
       <p:transition spd="med" p14:dur="700">
         <p:fade/>
       </p:transition>
     </mc:Choice>
-    <mc:Fallback xmlns="">
+    <mc:Fallback>
       <p:transition spd="med">
         <p:fade/>
       </p:transition>
@@ -3102,7 +3102,7 @@
             <a:fld id="{1D8BD707-D9CF-40AE-B4C6-C98DA3205C09}" type="datetimeFigureOut">
               <a:rPr lang="en-US" smtClean="0"/>
               <a:pPr/>
-              <a:t>9/13/2013</a:t>
+              <a:t>12/26/2013</a:t>
             </a:fld>
             <a:endParaRPr lang="en-US" dirty="0"/>
           </a:p>
@@ -3156,13 +3156,13 @@
   <p:clrMapOvr>
     <a:masterClrMapping/>
   </p:clrMapOvr>
-  <mc:AlternateContent xmlns:mc="http://schemas.openxmlformats.org/markup-compatibility/2006" xmlns:p14="http://schemas.microsoft.com/office/powerpoint/2010/main">
-    <mc:Choice Requires="p14">
+  <mc:AlternateContent xmlns:mc="http://schemas.openxmlformats.org/markup-compatibility/2006">
+    <mc:Choice xmlns:p14="http://schemas.microsoft.com/office/powerpoint/2010/main" xmlns="" Requires="p14">
       <p:transition spd="med" p14:dur="700">
         <p:fade/>
       </p:transition>
     </mc:Choice>
-    <mc:Fallback xmlns="">
+    <mc:Fallback>
       <p:transition spd="med">
         <p:fade/>
       </p:transition>
@@ -3206,7 +3206,7 @@
             <a:fld id="{1D8BD707-D9CF-40AE-B4C6-C98DA3205C09}" type="datetimeFigureOut">
               <a:rPr lang="en-US" smtClean="0"/>
               <a:pPr/>
-              <a:t>9/13/2013</a:t>
+              <a:t>12/26/2013</a:t>
             </a:fld>
             <a:endParaRPr lang="en-US" dirty="0"/>
           </a:p>
@@ -3260,13 +3260,13 @@
   <p:clrMapOvr>
     <a:masterClrMapping/>
   </p:clrMapOvr>
-  <mc:AlternateContent xmlns:mc="http://schemas.openxmlformats.org/markup-compatibility/2006" xmlns:p14="http://schemas.microsoft.com/office/powerpoint/2010/main">
-    <mc:Choice Requires="p14">
+  <mc:AlternateContent xmlns:mc="http://schemas.openxmlformats.org/markup-compatibility/2006">
+    <mc:Choice xmlns:p14="http://schemas.microsoft.com/office/powerpoint/2010/main" xmlns="" Requires="p14">
       <p:transition spd="med" p14:dur="700">
         <p:fade/>
       </p:transition>
     </mc:Choice>
-    <mc:Fallback xmlns="">
+    <mc:Fallback>
       <p:transition spd="med">
         <p:fade/>
       </p:transition>
@@ -3481,7 +3481,7 @@
             <a:fld id="{1D8BD707-D9CF-40AE-B4C6-C98DA3205C09}" type="datetimeFigureOut">
               <a:rPr lang="en-US" smtClean="0"/>
               <a:pPr/>
-              <a:t>9/13/2013</a:t>
+              <a:t>12/26/2013</a:t>
             </a:fld>
             <a:endParaRPr lang="en-US" dirty="0"/>
           </a:p>
@@ -3535,13 +3535,13 @@
   <p:clrMapOvr>
     <a:masterClrMapping/>
   </p:clrMapOvr>
-  <mc:AlternateContent xmlns:mc="http://schemas.openxmlformats.org/markup-compatibility/2006" xmlns:p14="http://schemas.microsoft.com/office/powerpoint/2010/main">
-    <mc:Choice Requires="p14">
+  <mc:AlternateContent xmlns:mc="http://schemas.openxmlformats.org/markup-compatibility/2006">
+    <mc:Choice xmlns:p14="http://schemas.microsoft.com/office/powerpoint/2010/main" xmlns="" Requires="p14">
       <p:transition spd="med" p14:dur="700">
         <p:fade/>
       </p:transition>
     </mc:Choice>
-    <mc:Fallback xmlns="">
+    <mc:Fallback>
       <p:transition spd="med">
         <p:fade/>
       </p:transition>
@@ -3783,7 +3783,7 @@
             <a:fld id="{1D8BD707-D9CF-40AE-B4C6-C98DA3205C09}" type="datetimeFigureOut">
               <a:rPr lang="en-US" smtClean="0"/>
               <a:pPr/>
-              <a:t>9/13/2013</a:t>
+              <a:t>12/26/2013</a:t>
             </a:fld>
             <a:endParaRPr lang="en-US" dirty="0"/>
           </a:p>
@@ -4144,13 +4144,13 @@
   <p:clrMapOvr>
     <a:masterClrMapping/>
   </p:clrMapOvr>
-  <mc:AlternateContent xmlns:mc="http://schemas.openxmlformats.org/markup-compatibility/2006" xmlns:p14="http://schemas.microsoft.com/office/powerpoint/2010/main">
-    <mc:Choice Requires="p14">
+  <mc:AlternateContent xmlns:mc="http://schemas.openxmlformats.org/markup-compatibility/2006">
+    <mc:Choice xmlns:p14="http://schemas.microsoft.com/office/powerpoint/2010/main" xmlns="" Requires="p14">
       <p:transition spd="med" p14:dur="700">
         <p:fade/>
       </p:transition>
     </mc:Choice>
-    <mc:Fallback xmlns="">
+    <mc:Fallback>
       <p:transition spd="med">
         <p:fade/>
       </p:transition>
@@ -4568,7 +4568,7 @@
             <a:fld id="{1D8BD707-D9CF-40AE-B4C6-C98DA3205C09}" type="datetimeFigureOut">
               <a:rPr lang="en-US" smtClean="0"/>
               <a:pPr/>
-              <a:t>9/13/2013</a:t>
+              <a:t>12/26/2013</a:t>
             </a:fld>
             <a:endParaRPr lang="en-US" dirty="0"/>
           </a:p>
@@ -4883,13 +4883,13 @@
     <p:sldLayoutId id="2147483840" r:id="rId10"/>
     <p:sldLayoutId id="2147483841" r:id="rId11"/>
   </p:sldLayoutIdLst>
-  <mc:AlternateContent xmlns:mc="http://schemas.openxmlformats.org/markup-compatibility/2006" xmlns:p14="http://schemas.microsoft.com/office/powerpoint/2010/main">
-    <mc:Choice Requires="p14">
+  <mc:AlternateContent xmlns:mc="http://schemas.openxmlformats.org/markup-compatibility/2006">
+    <mc:Choice xmlns:p14="http://schemas.microsoft.com/office/powerpoint/2010/main" xmlns="" Requires="p14">
       <p:transition spd="med" p14:dur="700">
         <p:fade/>
       </p:transition>
     </mc:Choice>
-    <mc:Fallback xmlns="">
+    <mc:Fallback>
       <p:transition spd="med">
         <p:fade/>
       </p:transition>
@@ -5455,13 +5455,13 @@
   <p:clrMapOvr>
     <a:masterClrMapping/>
   </p:clrMapOvr>
-  <mc:AlternateContent xmlns:mc="http://schemas.openxmlformats.org/markup-compatibility/2006" xmlns:p14="http://schemas.microsoft.com/office/powerpoint/2010/main">
-    <mc:Choice Requires="p14">
+  <mc:AlternateContent xmlns:mc="http://schemas.openxmlformats.org/markup-compatibility/2006">
+    <mc:Choice xmlns:p14="http://schemas.microsoft.com/office/powerpoint/2010/main" xmlns="" Requires="p14">
       <p:transition spd="med" p14:dur="700">
         <p:fade/>
       </p:transition>
     </mc:Choice>
-    <mc:Fallback xmlns="">
+    <mc:Fallback>
       <p:transition spd="med">
         <p:fade/>
       </p:transition>
@@ -5583,7 +5583,19 @@
             </a:r>
             <a:r>
               <a:rPr lang="en-US" dirty="0" smtClean="0"/>
-              <a:t> Simulation of 2D EM Wave</a:t>
+              <a:t> Simulation </a:t>
+            </a:r>
+            <a:r>
+              <a:rPr lang="en-US" smtClean="0"/>
+              <a:t>of </a:t>
+            </a:r>
+            <a:r>
+              <a:rPr lang="en-US" smtClean="0"/>
+              <a:t>1D </a:t>
+            </a:r>
+            <a:r>
+              <a:rPr lang="en-US" dirty="0" smtClean="0"/>
+              <a:t>EM Wave</a:t>
             </a:r>
           </a:p>
           <a:p>
@@ -5640,13 +5652,13 @@
   <p:clrMapOvr>
     <a:masterClrMapping/>
   </p:clrMapOvr>
-  <mc:AlternateContent xmlns:mc="http://schemas.openxmlformats.org/markup-compatibility/2006" xmlns:p14="http://schemas.microsoft.com/office/powerpoint/2010/main">
-    <mc:Choice Requires="p14">
+  <mc:AlternateContent xmlns:mc="http://schemas.openxmlformats.org/markup-compatibility/2006">
+    <mc:Choice xmlns:p14="http://schemas.microsoft.com/office/powerpoint/2010/main" xmlns="" Requires="p14">
       <p:transition spd="med" p14:dur="700">
         <p:fade/>
       </p:transition>
     </mc:Choice>
-    <mc:Fallback xmlns="">
+    <mc:Fallback>
       <p:transition spd="med">
         <p:fade/>
       </p:transition>
@@ -5931,13 +5943,13 @@
   <p:clrMapOvr>
     <a:masterClrMapping/>
   </p:clrMapOvr>
-  <mc:AlternateContent xmlns:mc="http://schemas.openxmlformats.org/markup-compatibility/2006" xmlns:p14="http://schemas.microsoft.com/office/powerpoint/2010/main">
-    <mc:Choice Requires="p14">
+  <mc:AlternateContent xmlns:mc="http://schemas.openxmlformats.org/markup-compatibility/2006">
+    <mc:Choice xmlns:p14="http://schemas.microsoft.com/office/powerpoint/2010/main" xmlns="" Requires="p14">
       <p:transition spd="med" p14:dur="700">
         <p:fade/>
       </p:transition>
     </mc:Choice>
-    <mc:Fallback xmlns="">
+    <mc:Fallback>
       <p:transition spd="med">
         <p:fade/>
       </p:transition>
@@ -6005,13 +6017,13 @@
   <p:clrMapOvr>
     <a:masterClrMapping/>
   </p:clrMapOvr>
-  <mc:AlternateContent xmlns:mc="http://schemas.openxmlformats.org/markup-compatibility/2006" xmlns:p14="http://schemas.microsoft.com/office/powerpoint/2010/main">
-    <mc:Choice Requires="p14">
+  <mc:AlternateContent xmlns:mc="http://schemas.openxmlformats.org/markup-compatibility/2006">
+    <mc:Choice xmlns:p14="http://schemas.microsoft.com/office/powerpoint/2010/main" xmlns="" Requires="p14">
       <p:transition spd="med" p14:dur="700">
         <p:fade/>
       </p:transition>
     </mc:Choice>
-    <mc:Fallback xmlns="">
+    <mc:Fallback>
       <p:transition spd="med">
         <p:fade/>
       </p:transition>
@@ -6163,13 +6175,13 @@
   <p:clrMapOvr>
     <a:masterClrMapping/>
   </p:clrMapOvr>
-  <mc:AlternateContent xmlns:mc="http://schemas.openxmlformats.org/markup-compatibility/2006" xmlns:p14="http://schemas.microsoft.com/office/powerpoint/2010/main">
-    <mc:Choice Requires="p14">
+  <mc:AlternateContent xmlns:mc="http://schemas.openxmlformats.org/markup-compatibility/2006">
+    <mc:Choice xmlns:p14="http://schemas.microsoft.com/office/powerpoint/2010/main" xmlns="" Requires="p14">
       <p:transition spd="med" p14:dur="700">
         <p:fade/>
       </p:transition>
     </mc:Choice>
-    <mc:Fallback xmlns="">
+    <mc:Fallback>
       <p:transition spd="med">
         <p:fade/>
       </p:transition>
@@ -6308,13 +6320,13 @@
   <p:clrMapOvr>
     <a:masterClrMapping/>
   </p:clrMapOvr>
-  <mc:AlternateContent xmlns:mc="http://schemas.openxmlformats.org/markup-compatibility/2006" xmlns:p14="http://schemas.microsoft.com/office/powerpoint/2010/main">
-    <mc:Choice Requires="p14">
+  <mc:AlternateContent xmlns:mc="http://schemas.openxmlformats.org/markup-compatibility/2006">
+    <mc:Choice xmlns:p14="http://schemas.microsoft.com/office/powerpoint/2010/main" xmlns="" Requires="p14">
       <p:transition spd="med" p14:dur="700">
         <p:fade/>
       </p:transition>
     </mc:Choice>
-    <mc:Fallback xmlns="">
+    <mc:Fallback>
       <p:transition spd="med">
         <p:fade/>
       </p:transition>
@@ -6382,7 +6394,7 @@
           <a:blip r:embed="rId2">
             <a:extLst>
               <a:ext uri="{28A0092B-C50C-407E-A947-70E740481C1C}">
-                <a14:useLocalDpi xmlns:a14="http://schemas.microsoft.com/office/drawing/2010/main" val="0"/>
+                <a14:useLocalDpi xmlns:a14="http://schemas.microsoft.com/office/drawing/2010/main" xmlns="" val="0"/>
               </a:ext>
             </a:extLst>
           </a:blip>
@@ -6403,7 +6415,7 @@
     </p:spTree>
     <p:extLst>
       <p:ext uri="{BB962C8B-B14F-4D97-AF65-F5344CB8AC3E}">
-        <p14:creationId xmlns:p14="http://schemas.microsoft.com/office/powerpoint/2010/main" val="226527235"/>
+        <p14:creationId xmlns:p14="http://schemas.microsoft.com/office/powerpoint/2010/main" xmlns="" val="226527235"/>
       </p:ext>
     </p:extLst>
   </p:cSld>
@@ -6411,7 +6423,7 @@
     <a:masterClrMapping/>
   </p:clrMapOvr>
   <mc:AlternateContent xmlns:mc="http://schemas.openxmlformats.org/markup-compatibility/2006">
-    <mc:Choice xmlns:p14="http://schemas.microsoft.com/office/powerpoint/2010/main" Requires="p14">
+    <mc:Choice xmlns:p14="http://schemas.microsoft.com/office/powerpoint/2010/main" xmlns="" Requires="p14">
       <p:transition spd="med" p14:dur="700">
         <p:fade/>
       </p:transition>
@@ -6646,13 +6658,13 @@
   <p:clrMapOvr>
     <a:masterClrMapping/>
   </p:clrMapOvr>
-  <mc:AlternateContent xmlns:mc="http://schemas.openxmlformats.org/markup-compatibility/2006" xmlns:p14="http://schemas.microsoft.com/office/powerpoint/2010/main">
-    <mc:Choice Requires="p14">
+  <mc:AlternateContent xmlns:mc="http://schemas.openxmlformats.org/markup-compatibility/2006">
+    <mc:Choice xmlns:p14="http://schemas.microsoft.com/office/powerpoint/2010/main" xmlns="" Requires="p14">
       <p:transition spd="med" p14:dur="700">
         <p:fade/>
       </p:transition>
     </mc:Choice>
-    <mc:Fallback xmlns="">
+    <mc:Fallback>
       <p:transition spd="med">
         <p:fade/>
       </p:transition>
@@ -6764,13 +6776,13 @@
   <p:clrMapOvr>
     <a:masterClrMapping/>
   </p:clrMapOvr>
-  <mc:AlternateContent xmlns:mc="http://schemas.openxmlformats.org/markup-compatibility/2006" xmlns:p14="http://schemas.microsoft.com/office/powerpoint/2010/main">
-    <mc:Choice Requires="p14">
+  <mc:AlternateContent xmlns:mc="http://schemas.openxmlformats.org/markup-compatibility/2006">
+    <mc:Choice xmlns:p14="http://schemas.microsoft.com/office/powerpoint/2010/main" xmlns="" Requires="p14">
       <p:transition spd="med" p14:dur="700">
         <p:fade/>
       </p:transition>
     </mc:Choice>
-    <mc:Fallback xmlns="">
+    <mc:Fallback>
       <p:transition spd="med">
         <p:fade/>
       </p:transition>
@@ -6880,13 +6892,13 @@
   <p:clrMapOvr>
     <a:masterClrMapping/>
   </p:clrMapOvr>
-  <mc:AlternateContent xmlns:mc="http://schemas.openxmlformats.org/markup-compatibility/2006" xmlns:p14="http://schemas.microsoft.com/office/powerpoint/2010/main">
-    <mc:Choice Requires="p14">
+  <mc:AlternateContent xmlns:mc="http://schemas.openxmlformats.org/markup-compatibility/2006">
+    <mc:Choice xmlns:p14="http://schemas.microsoft.com/office/powerpoint/2010/main" xmlns="" Requires="p14">
       <p:transition spd="med" p14:dur="700">
         <p:fade/>
       </p:transition>
     </mc:Choice>
-    <mc:Fallback xmlns="">
+    <mc:Fallback>
       <p:transition spd="med">
         <p:fade/>
       </p:transition>
@@ -6977,13 +6989,13 @@
   <p:clrMapOvr>
     <a:masterClrMapping/>
   </p:clrMapOvr>
-  <mc:AlternateContent xmlns:mc="http://schemas.openxmlformats.org/markup-compatibility/2006" xmlns:p14="http://schemas.microsoft.com/office/powerpoint/2010/main">
-    <mc:Choice Requires="p14">
+  <mc:AlternateContent xmlns:mc="http://schemas.openxmlformats.org/markup-compatibility/2006">
+    <mc:Choice xmlns:p14="http://schemas.microsoft.com/office/powerpoint/2010/main" xmlns="" Requires="p14">
       <p:transition spd="med" p14:dur="700">
         <p:fade/>
       </p:transition>
     </mc:Choice>
-    <mc:Fallback xmlns="">
+    <mc:Fallback>
       <p:transition spd="med">
         <p:fade/>
       </p:transition>
@@ -7074,13 +7086,13 @@
   <p:clrMapOvr>
     <a:masterClrMapping/>
   </p:clrMapOvr>
-  <mc:AlternateContent xmlns:mc="http://schemas.openxmlformats.org/markup-compatibility/2006" xmlns:p14="http://schemas.microsoft.com/office/powerpoint/2010/main">
-    <mc:Choice Requires="p14">
+  <mc:AlternateContent xmlns:mc="http://schemas.openxmlformats.org/markup-compatibility/2006">
+    <mc:Choice xmlns:p14="http://schemas.microsoft.com/office/powerpoint/2010/main" xmlns="" Requires="p14">
       <p:transition spd="med" p14:dur="700">
         <p:fade/>
       </p:transition>
     </mc:Choice>
-    <mc:Fallback xmlns="">
+    <mc:Fallback>
       <p:transition spd="med">
         <p:fade/>
       </p:transition>
@@ -7220,13 +7232,13 @@
   <p:clrMapOvr>
     <a:masterClrMapping/>
   </p:clrMapOvr>
-  <mc:AlternateContent xmlns:mc="http://schemas.openxmlformats.org/markup-compatibility/2006" xmlns:p14="http://schemas.microsoft.com/office/powerpoint/2010/main">
-    <mc:Choice Requires="p14">
+  <mc:AlternateContent xmlns:mc="http://schemas.openxmlformats.org/markup-compatibility/2006">
+    <mc:Choice xmlns:p14="http://schemas.microsoft.com/office/powerpoint/2010/main" xmlns="" Requires="p14">
       <p:transition spd="med" p14:dur="700">
         <p:fade/>
       </p:transition>
     </mc:Choice>
-    <mc:Fallback xmlns="">
+    <mc:Fallback>
       <p:transition spd="med">
         <p:fade/>
       </p:transition>
@@ -7331,13 +7343,13 @@
   <p:clrMapOvr>
     <a:masterClrMapping/>
   </p:clrMapOvr>
-  <mc:AlternateContent xmlns:mc="http://schemas.openxmlformats.org/markup-compatibility/2006" xmlns:p14="http://schemas.microsoft.com/office/powerpoint/2010/main">
-    <mc:Choice Requires="p14">
+  <mc:AlternateContent xmlns:mc="http://schemas.openxmlformats.org/markup-compatibility/2006">
+    <mc:Choice xmlns:p14="http://schemas.microsoft.com/office/powerpoint/2010/main" xmlns="" Requires="p14">
       <p:transition spd="med" p14:dur="700">
         <p:fade/>
       </p:transition>
     </mc:Choice>
-    <mc:Fallback xmlns="">
+    <mc:Fallback>
       <p:transition spd="med">
         <p:fade/>
       </p:transition>
@@ -7427,13 +7439,13 @@
   <p:clrMapOvr>
     <a:masterClrMapping/>
   </p:clrMapOvr>
-  <mc:AlternateContent xmlns:mc="http://schemas.openxmlformats.org/markup-compatibility/2006" xmlns:p14="http://schemas.microsoft.com/office/powerpoint/2010/main">
-    <mc:Choice Requires="p14">
+  <mc:AlternateContent xmlns:mc="http://schemas.openxmlformats.org/markup-compatibility/2006">
+    <mc:Choice xmlns:p14="http://schemas.microsoft.com/office/powerpoint/2010/main" xmlns="" Requires="p14">
       <p:transition spd="med" p14:dur="700">
         <p:fade/>
       </p:transition>
     </mc:Choice>
-    <mc:Fallback xmlns="">
+    <mc:Fallback>
       <p:transition spd="med">
         <p:fade/>
       </p:transition>
@@ -7638,13 +7650,13 @@
   <p:clrMapOvr>
     <a:masterClrMapping/>
   </p:clrMapOvr>
-  <mc:AlternateContent xmlns:mc="http://schemas.openxmlformats.org/markup-compatibility/2006" xmlns:p14="http://schemas.microsoft.com/office/powerpoint/2010/main">
-    <mc:Choice Requires="p14">
+  <mc:AlternateContent xmlns:mc="http://schemas.openxmlformats.org/markup-compatibility/2006">
+    <mc:Choice xmlns:p14="http://schemas.microsoft.com/office/powerpoint/2010/main" xmlns="" Requires="p14">
       <p:transition spd="med" p14:dur="700">
         <p:fade/>
       </p:transition>
     </mc:Choice>
-    <mc:Fallback xmlns="">
+    <mc:Fallback>
       <p:transition spd="med">
         <p:fade/>
       </p:transition>
@@ -7851,13 +7863,13 @@
   <p:clrMapOvr>
     <a:masterClrMapping/>
   </p:clrMapOvr>
-  <mc:AlternateContent xmlns:mc="http://schemas.openxmlformats.org/markup-compatibility/2006" xmlns:p14="http://schemas.microsoft.com/office/powerpoint/2010/main">
-    <mc:Choice Requires="p14">
+  <mc:AlternateContent xmlns:mc="http://schemas.openxmlformats.org/markup-compatibility/2006">
+    <mc:Choice xmlns:p14="http://schemas.microsoft.com/office/powerpoint/2010/main" xmlns="" Requires="p14">
       <p:transition spd="med" p14:dur="700">
         <p:fade/>
       </p:transition>
     </mc:Choice>
-    <mc:Fallback xmlns="">
+    <mc:Fallback>
       <p:transition spd="med">
         <p:fade/>
       </p:transition>
@@ -7952,13 +7964,13 @@
   <p:clrMapOvr>
     <a:masterClrMapping/>
   </p:clrMapOvr>
-  <mc:AlternateContent xmlns:mc="http://schemas.openxmlformats.org/markup-compatibility/2006" xmlns:p14="http://schemas.microsoft.com/office/powerpoint/2010/main">
-    <mc:Choice Requires="p14">
+  <mc:AlternateContent xmlns:mc="http://schemas.openxmlformats.org/markup-compatibility/2006">
+    <mc:Choice xmlns:p14="http://schemas.microsoft.com/office/powerpoint/2010/main" xmlns="" Requires="p14">
       <p:transition spd="med" p14:dur="700">
         <p:fade/>
       </p:transition>
     </mc:Choice>
-    <mc:Fallback xmlns="">
+    <mc:Fallback>
       <p:transition spd="med">
         <p:fade/>
       </p:transition>
@@ -8336,13 +8348,13 @@
   <p:clrMapOvr>
     <a:masterClrMapping/>
   </p:clrMapOvr>
-  <mc:AlternateContent xmlns:mc="http://schemas.openxmlformats.org/markup-compatibility/2006" xmlns:p14="http://schemas.microsoft.com/office/powerpoint/2010/main">
-    <mc:Choice Requires="p14">
+  <mc:AlternateContent xmlns:mc="http://schemas.openxmlformats.org/markup-compatibility/2006">
+    <mc:Choice xmlns:p14="http://schemas.microsoft.com/office/powerpoint/2010/main" xmlns="" Requires="p14">
       <p:transition spd="med" p14:dur="700">
         <p:fade/>
       </p:transition>
     </mc:Choice>
-    <mc:Fallback xmlns="">
+    <mc:Fallback>
       <p:transition spd="med">
         <p:fade/>
       </p:transition>
